--- a/软件创新课程演示.pptx
+++ b/软件创新课程演示.pptx
@@ -5,10 +5,10 @@
     <p:sldMasterId id="2147483802" r:id="rId1"/>
   </p:sldMasterIdLst>
   <p:notesMasterIdLst>
-    <p:notesMasterId r:id="rId19"/>
+    <p:notesMasterId r:id="rId20"/>
   </p:notesMasterIdLst>
   <p:handoutMasterIdLst>
-    <p:handoutMasterId r:id="rId20"/>
+    <p:handoutMasterId r:id="rId21"/>
   </p:handoutMasterIdLst>
   <p:sldIdLst>
     <p:sldId id="256" r:id="rId2"/>
@@ -23,11 +23,12 @@
     <p:sldId id="264" r:id="rId11"/>
     <p:sldId id="295" r:id="rId12"/>
     <p:sldId id="285" r:id="rId13"/>
-    <p:sldId id="292" r:id="rId14"/>
-    <p:sldId id="291" r:id="rId15"/>
-    <p:sldId id="286" r:id="rId16"/>
-    <p:sldId id="287" r:id="rId17"/>
-    <p:sldId id="282" r:id="rId18"/>
+    <p:sldId id="296" r:id="rId14"/>
+    <p:sldId id="292" r:id="rId15"/>
+    <p:sldId id="291" r:id="rId16"/>
+    <p:sldId id="286" r:id="rId17"/>
+    <p:sldId id="287" r:id="rId18"/>
+    <p:sldId id="282" r:id="rId19"/>
   </p:sldIdLst>
   <p:sldSz cx="9144000" cy="6858000" type="screen4x3"/>
   <p:notesSz cx="6858000" cy="9144000"/>
@@ -219,7 +220,7 @@
           <a:p>
             <a:fld id="{202C1FBA-CF23-45CA-A289-03E32D160964}" type="datetimeFigureOut">
               <a:rPr lang="zh-CN" altLang="en-US" smtClean="0"/>
-              <a:t>2019/6/26</a:t>
+              <a:t>2019/6/27</a:t>
             </a:fld>
             <a:endParaRPr lang="zh-CN" altLang="en-US"/>
           </a:p>
@@ -384,7 +385,7 @@
           <a:p>
             <a:fld id="{6D966BD8-0FC1-456F-BDC6-7D0CA8E36566}" type="datetimeFigureOut">
               <a:rPr lang="zh-CN" altLang="en-US" smtClean="0"/>
-              <a:t>2019/6/26</a:t>
+              <a:t>2019/6/27</a:t>
             </a:fld>
             <a:endParaRPr lang="zh-CN" altLang="en-US"/>
           </a:p>
@@ -8714,35 +8715,6 @@
           <a:chExt cx="0" cy="0"/>
         </a:xfrm>
       </p:grpSpPr>
-      <p:pic>
-        <p:nvPicPr>
-          <p:cNvPr id="4" name="内容占位符 3"/>
-          <p:cNvPicPr>
-            <a:picLocks noGrp="1" noChangeAspect="1"/>
-          </p:cNvPicPr>
-          <p:nvPr>
-            <p:ph sz="quarter" idx="10"/>
-          </p:nvPr>
-        </p:nvPicPr>
-        <p:blipFill>
-          <a:blip r:embed="rId2">
-            <a:extLst>
-              <a:ext uri="{28A0092B-C50C-407E-A947-70E740481C1C}">
-                <a14:useLocalDpi xmlns:a14="http://schemas.microsoft.com/office/drawing/2010/main" val="0"/>
-              </a:ext>
-            </a:extLst>
-          </a:blip>
-          <a:stretch>
-            <a:fillRect/>
-          </a:stretch>
-        </p:blipFill>
-        <p:spPr>
-          <a:xfrm>
-            <a:off x="4487647" y="4386268"/>
-            <a:ext cx="4579317" cy="2014226"/>
-          </a:xfrm>
-        </p:spPr>
-      </p:pic>
       <p:sp>
         <p:nvSpPr>
           <p:cNvPr id="3" name="标题 2"/>
@@ -8766,60 +8738,185 @@
           </a:p>
         </p:txBody>
       </p:sp>
+      <p:sp>
+        <p:nvSpPr>
+          <p:cNvPr id="8" name="文本框 7">
+            <a:extLst>
+              <a:ext uri="{FF2B5EF4-FFF2-40B4-BE49-F238E27FC236}">
+                <a16:creationId xmlns:a16="http://schemas.microsoft.com/office/drawing/2014/main" id="{2DFDE500-865B-40F9-ACBA-C7F511EED622}"/>
+              </a:ext>
+            </a:extLst>
+          </p:cNvPr>
+          <p:cNvSpPr txBox="1"/>
+          <p:nvPr/>
+        </p:nvSpPr>
+        <p:spPr>
+          <a:xfrm>
+            <a:off x="494024" y="1729048"/>
+            <a:ext cx="7032568" cy="646331"/>
+          </a:xfrm>
+          <a:prstGeom prst="rect">
+            <a:avLst/>
+          </a:prstGeom>
+          <a:noFill/>
+        </p:spPr>
+        <p:txBody>
+          <a:bodyPr wrap="square" rtlCol="0">
+            <a:spAutoFit/>
+          </a:bodyPr>
+          <a:lstStyle/>
+          <a:p>
+            <a:pPr marL="285750" indent="-285750">
+              <a:buFont typeface="Arial" panose="020B0604020202020204" pitchFamily="34" charset="0"/>
+              <a:buChar char="•"/>
+            </a:pPr>
+            <a:r>
+              <a:rPr lang="en-US" altLang="zh-CN" dirty="0">
+                <a:solidFill>
+                  <a:schemeClr val="accent2">
+                    <a:lumMod val="50000"/>
+                  </a:schemeClr>
+                </a:solidFill>
+              </a:rPr>
+              <a:t> </a:t>
+            </a:r>
+            <a:r>
+              <a:rPr lang="en-US" altLang="zh-CN" dirty="0" err="1">
+                <a:solidFill>
+                  <a:schemeClr val="accent2">
+                    <a:lumMod val="50000"/>
+                  </a:schemeClr>
+                </a:solidFill>
+              </a:rPr>
+              <a:t>Mysql</a:t>
+            </a:r>
+            <a:r>
+              <a:rPr lang="en-US" altLang="zh-CN" dirty="0">
+                <a:solidFill>
+                  <a:schemeClr val="accent2">
+                    <a:lumMod val="50000"/>
+                  </a:schemeClr>
+                </a:solidFill>
+              </a:rPr>
+              <a:t> 5.6 + python 2.7 + </a:t>
+            </a:r>
+            <a:r>
+              <a:rPr lang="en-US" altLang="zh-CN" dirty="0" err="1">
+                <a:solidFill>
+                  <a:schemeClr val="accent2">
+                    <a:lumMod val="50000"/>
+                  </a:schemeClr>
+                </a:solidFill>
+              </a:rPr>
+              <a:t>django</a:t>
+            </a:r>
+            <a:r>
+              <a:rPr lang="en-US" altLang="zh-CN" dirty="0">
+                <a:solidFill>
+                  <a:schemeClr val="accent2">
+                    <a:lumMod val="50000"/>
+                  </a:schemeClr>
+                </a:solidFill>
+              </a:rPr>
+              <a:t> 1.8 + </a:t>
+            </a:r>
+            <a:r>
+              <a:rPr lang="en-US" altLang="zh-CN" dirty="0" err="1">
+                <a:solidFill>
+                  <a:schemeClr val="accent2">
+                    <a:lumMod val="50000"/>
+                  </a:schemeClr>
+                </a:solidFill>
+              </a:rPr>
+              <a:t>pymysql</a:t>
+            </a:r>
+            <a:r>
+              <a:rPr lang="zh-CN" altLang="en-US" dirty="0">
+                <a:solidFill>
+                  <a:schemeClr val="accent2">
+                    <a:lumMod val="50000"/>
+                  </a:schemeClr>
+                </a:solidFill>
+              </a:rPr>
+              <a:t>实现后台</a:t>
+            </a:r>
+            <a:endParaRPr lang="en-US" altLang="zh-CN" dirty="0">
+              <a:solidFill>
+                <a:schemeClr val="accent2">
+                  <a:lumMod val="50000"/>
+                </a:schemeClr>
+              </a:solidFill>
+            </a:endParaRPr>
+          </a:p>
+          <a:p>
+            <a:pPr marL="285750" indent="-285750">
+              <a:buFont typeface="Arial" panose="020B0604020202020204" pitchFamily="34" charset="0"/>
+              <a:buChar char="•"/>
+            </a:pPr>
+            <a:r>
+              <a:rPr lang="en-US" altLang="zh-CN" dirty="0" err="1">
+                <a:solidFill>
+                  <a:schemeClr val="accent2">
+                    <a:lumMod val="50000"/>
+                  </a:schemeClr>
+                </a:solidFill>
+              </a:rPr>
+              <a:t>Tensorflow</a:t>
+            </a:r>
+            <a:r>
+              <a:rPr lang="zh-CN" altLang="en-US" dirty="0">
+                <a:solidFill>
+                  <a:schemeClr val="accent2">
+                    <a:lumMod val="50000"/>
+                  </a:schemeClr>
+                </a:solidFill>
+              </a:rPr>
+              <a:t>实现算法并持久化模型</a:t>
+            </a:r>
+            <a:r>
+              <a:rPr lang="en-US" altLang="zh-CN" dirty="0">
+                <a:solidFill>
+                  <a:schemeClr val="accent2">
+                    <a:lumMod val="50000"/>
+                  </a:schemeClr>
+                </a:solidFill>
+              </a:rPr>
+              <a:t> </a:t>
+            </a:r>
+            <a:endParaRPr lang="zh-CN" altLang="en-US" dirty="0">
+              <a:solidFill>
+                <a:schemeClr val="accent2">
+                  <a:lumMod val="50000"/>
+                </a:schemeClr>
+              </a:solidFill>
+            </a:endParaRPr>
+          </a:p>
+        </p:txBody>
+      </p:sp>
       <p:pic>
         <p:nvPicPr>
-          <p:cNvPr id="6" name="图片 5"/>
+          <p:cNvPr id="9" name="图片 8">
+            <a:extLst>
+              <a:ext uri="{FF2B5EF4-FFF2-40B4-BE49-F238E27FC236}">
+                <a16:creationId xmlns:a16="http://schemas.microsoft.com/office/drawing/2014/main" id="{F521E6E6-7952-4252-8FAF-A4289CFB3FF3}"/>
+              </a:ext>
+            </a:extLst>
+          </p:cNvPr>
           <p:cNvPicPr>
             <a:picLocks noChangeAspect="1"/>
           </p:cNvPicPr>
           <p:nvPr/>
         </p:nvPicPr>
         <p:blipFill>
-          <a:blip r:embed="rId3">
-            <a:extLst>
-              <a:ext uri="{28A0092B-C50C-407E-A947-70E740481C1C}">
-                <a14:useLocalDpi xmlns:a14="http://schemas.microsoft.com/office/drawing/2010/main" val="0"/>
-              </a:ext>
-            </a:extLst>
-          </a:blip>
+          <a:blip r:embed="rId2"/>
           <a:stretch>
             <a:fillRect/>
           </a:stretch>
         </p:blipFill>
         <p:spPr>
           <a:xfrm>
-            <a:off x="4467665" y="1659247"/>
-            <a:ext cx="4599300" cy="2537836"/>
-          </a:xfrm>
-          <a:prstGeom prst="rect">
-            <a:avLst/>
-          </a:prstGeom>
-        </p:spPr>
-      </p:pic>
-      <p:pic>
-        <p:nvPicPr>
-          <p:cNvPr id="7" name="图片 6"/>
-          <p:cNvPicPr>
-            <a:picLocks noChangeAspect="1"/>
-          </p:cNvPicPr>
-          <p:nvPr/>
-        </p:nvPicPr>
-        <p:blipFill>
-          <a:blip r:embed="rId4">
-            <a:extLst>
-              <a:ext uri="{28A0092B-C50C-407E-A947-70E740481C1C}">
-                <a14:useLocalDpi xmlns:a14="http://schemas.microsoft.com/office/drawing/2010/main" val="0"/>
-              </a:ext>
-            </a:extLst>
-          </a:blip>
-          <a:stretch>
-            <a:fillRect/>
-          </a:stretch>
-        </p:blipFill>
-        <p:spPr>
-          <a:xfrm>
-            <a:off x="121297" y="1927103"/>
-            <a:ext cx="4240495" cy="3807672"/>
+            <a:off x="494024" y="2832576"/>
+            <a:ext cx="6010102" cy="3300092"/>
           </a:xfrm>
           <a:prstGeom prst="rect">
             <a:avLst/>
@@ -8829,7 +8926,7 @@
     </p:spTree>
     <p:extLst>
       <p:ext uri="{BB962C8B-B14F-4D97-AF65-F5344CB8AC3E}">
-        <p14:creationId xmlns:p14="http://schemas.microsoft.com/office/powerpoint/2010/main" val="718199435"/>
+        <p14:creationId xmlns:p14="http://schemas.microsoft.com/office/powerpoint/2010/main" val="1433158957"/>
       </p:ext>
     </p:extLst>
   </p:cSld>
@@ -8856,6 +8953,148 @@
           <a:chExt cx="0" cy="0"/>
         </a:xfrm>
       </p:grpSpPr>
+      <p:pic>
+        <p:nvPicPr>
+          <p:cNvPr id="4" name="内容占位符 3"/>
+          <p:cNvPicPr>
+            <a:picLocks noGrp="1" noChangeAspect="1"/>
+          </p:cNvPicPr>
+          <p:nvPr>
+            <p:ph sz="quarter" idx="10"/>
+          </p:nvPr>
+        </p:nvPicPr>
+        <p:blipFill>
+          <a:blip r:embed="rId2">
+            <a:extLst>
+              <a:ext uri="{28A0092B-C50C-407E-A947-70E740481C1C}">
+                <a14:useLocalDpi xmlns:a14="http://schemas.microsoft.com/office/drawing/2010/main" val="0"/>
+              </a:ext>
+            </a:extLst>
+          </a:blip>
+          <a:stretch>
+            <a:fillRect/>
+          </a:stretch>
+        </p:blipFill>
+        <p:spPr>
+          <a:xfrm>
+            <a:off x="4487647" y="4386268"/>
+            <a:ext cx="4579317" cy="2014226"/>
+          </a:xfrm>
+        </p:spPr>
+      </p:pic>
+      <p:sp>
+        <p:nvSpPr>
+          <p:cNvPr id="3" name="标题 2"/>
+          <p:cNvSpPr>
+            <a:spLocks noGrp="1"/>
+          </p:cNvSpPr>
+          <p:nvPr>
+            <p:ph type="title"/>
+          </p:nvPr>
+        </p:nvSpPr>
+        <p:spPr/>
+        <p:txBody>
+          <a:bodyPr/>
+          <a:lstStyle/>
+          <a:p>
+            <a:r>
+              <a:rPr lang="en-US" altLang="zh-CN" dirty="0"/>
+              <a:t>Implementation</a:t>
+            </a:r>
+            <a:endParaRPr lang="zh-CN" altLang="en-US" dirty="0"/>
+          </a:p>
+        </p:txBody>
+      </p:sp>
+      <p:pic>
+        <p:nvPicPr>
+          <p:cNvPr id="6" name="图片 5"/>
+          <p:cNvPicPr>
+            <a:picLocks noChangeAspect="1"/>
+          </p:cNvPicPr>
+          <p:nvPr/>
+        </p:nvPicPr>
+        <p:blipFill>
+          <a:blip r:embed="rId3">
+            <a:extLst>
+              <a:ext uri="{28A0092B-C50C-407E-A947-70E740481C1C}">
+                <a14:useLocalDpi xmlns:a14="http://schemas.microsoft.com/office/drawing/2010/main" val="0"/>
+              </a:ext>
+            </a:extLst>
+          </a:blip>
+          <a:stretch>
+            <a:fillRect/>
+          </a:stretch>
+        </p:blipFill>
+        <p:spPr>
+          <a:xfrm>
+            <a:off x="4467665" y="1659247"/>
+            <a:ext cx="4599300" cy="2537836"/>
+          </a:xfrm>
+          <a:prstGeom prst="rect">
+            <a:avLst/>
+          </a:prstGeom>
+        </p:spPr>
+      </p:pic>
+      <p:pic>
+        <p:nvPicPr>
+          <p:cNvPr id="7" name="图片 6"/>
+          <p:cNvPicPr>
+            <a:picLocks noChangeAspect="1"/>
+          </p:cNvPicPr>
+          <p:nvPr/>
+        </p:nvPicPr>
+        <p:blipFill>
+          <a:blip r:embed="rId4">
+            <a:extLst>
+              <a:ext uri="{28A0092B-C50C-407E-A947-70E740481C1C}">
+                <a14:useLocalDpi xmlns:a14="http://schemas.microsoft.com/office/drawing/2010/main" val="0"/>
+              </a:ext>
+            </a:extLst>
+          </a:blip>
+          <a:stretch>
+            <a:fillRect/>
+          </a:stretch>
+        </p:blipFill>
+        <p:spPr>
+          <a:xfrm>
+            <a:off x="121297" y="1927103"/>
+            <a:ext cx="4240495" cy="3807672"/>
+          </a:xfrm>
+          <a:prstGeom prst="rect">
+            <a:avLst/>
+          </a:prstGeom>
+        </p:spPr>
+      </p:pic>
+    </p:spTree>
+    <p:extLst>
+      <p:ext uri="{BB962C8B-B14F-4D97-AF65-F5344CB8AC3E}">
+        <p14:creationId xmlns:p14="http://schemas.microsoft.com/office/powerpoint/2010/main" val="718199435"/>
+      </p:ext>
+    </p:extLst>
+  </p:cSld>
+  <p:clrMapOvr>
+    <a:masterClrMapping/>
+  </p:clrMapOvr>
+</p:sld>
+</file>
+
+<file path=ppt/slides/slide15.xml><?xml version="1.0" encoding="utf-8"?>
+<p:sld xmlns:a="http://schemas.openxmlformats.org/drawingml/2006/main" xmlns:r="http://schemas.openxmlformats.org/officeDocument/2006/relationships" xmlns:p="http://schemas.openxmlformats.org/presentationml/2006/main">
+  <p:cSld>
+    <p:spTree>
+      <p:nvGrpSpPr>
+        <p:cNvPr id="1" name=""/>
+        <p:cNvGrpSpPr/>
+        <p:nvPr/>
+      </p:nvGrpSpPr>
+      <p:grpSpPr>
+        <a:xfrm>
+          <a:off x="0" y="0"/>
+          <a:ext cx="0" cy="0"/>
+          <a:chOff x="0" y="0"/>
+          <a:chExt cx="0" cy="0"/>
+        </a:xfrm>
+      </p:grpSpPr>
       <p:sp>
         <p:nvSpPr>
           <p:cNvPr id="5" name="内容占位符 4"/>
@@ -8956,7 +9195,7 @@
 </p:sld>
 </file>
 
-<file path=ppt/slides/slide15.xml><?xml version="1.0" encoding="utf-8"?>
+<file path=ppt/slides/slide16.xml><?xml version="1.0" encoding="utf-8"?>
 <p:sld xmlns:a="http://schemas.openxmlformats.org/drawingml/2006/main" xmlns:r="http://schemas.openxmlformats.org/officeDocument/2006/relationships" xmlns:p="http://schemas.openxmlformats.org/presentationml/2006/main">
   <p:cSld>
     <p:spTree>
@@ -9101,7 +9340,7 @@
 </p:sld>
 </file>
 
-<file path=ppt/slides/slide16.xml><?xml version="1.0" encoding="utf-8"?>
+<file path=ppt/slides/slide17.xml><?xml version="1.0" encoding="utf-8"?>
 <p:sld xmlns:a="http://schemas.openxmlformats.org/drawingml/2006/main" xmlns:r="http://schemas.openxmlformats.org/officeDocument/2006/relationships" xmlns:p="http://schemas.openxmlformats.org/presentationml/2006/main">
   <p:cSld>
     <p:spTree>
@@ -9362,7 +9601,7 @@
 </p:sld>
 </file>
 
-<file path=ppt/slides/slide17.xml><?xml version="1.0" encoding="utf-8"?>
+<file path=ppt/slides/slide18.xml><?xml version="1.0" encoding="utf-8"?>
 <p:sld xmlns:a="http://schemas.openxmlformats.org/drawingml/2006/main" xmlns:r="http://schemas.openxmlformats.org/officeDocument/2006/relationships" xmlns:p="http://schemas.openxmlformats.org/presentationml/2006/main">
   <p:cSld>
     <p:spTree>
